--- a/picture/slide.pptx
+++ b/picture/slide.pptx
@@ -1670,7 +1670,7 @@
           <a:bodyPr lIns="0" rIns="0" tIns="0" bIns="0"/>
           <a:p>
             <a:pPr algn="r"/>
-            <a:fld id="{473D32F6-D6EA-41A9-9D6C-D793BF8269FD}" type="slidenum">
+            <a:fld id="{D121BF75-08BA-4FB2-8457-F97A207E8677}" type="slidenum">
               <a:rPr b="0" lang="en-US" sz="1400" spc="-1" strike="noStrike">
                 <a:latin typeface="Times New Roman"/>
               </a:rPr>
